--- a/static/Умный дом на esp8266.pptx
+++ b/static/Умный дом на esp8266.pptx
@@ -13,8 +13,7 @@
     <p:sldId id="260" r:id="rId7"/>
     <p:sldId id="261" r:id="rId8"/>
     <p:sldId id="262" r:id="rId9"/>
-    <p:sldId id="263" r:id="rId10"/>
-    <p:sldId id="264" r:id="rId11"/>
+    <p:sldId id="264" r:id="rId10"/>
   </p:sldIdLst>
   <p:sldSz cx="12192000" cy="6858000"/>
   <p:notesSz cx="6858000" cy="9144000"/>
@@ -113,6 +112,11 @@
       </a:defRPr>
     </a:lvl9pPr>
   </p:defaultTextStyle>
+  <p:extLst>
+    <p:ext uri="{EFAFB233-063F-42B5-8137-9DF3F51BA10A}">
+      <p15:sldGuideLst xmlns:p15="http://schemas.microsoft.com/office/powerpoint/2012/main"/>
+    </p:ext>
+  </p:extLst>
 </p:presentation>
 </file>
 
@@ -3064,91 +3068,6 @@
 </p:sld>
 </file>
 
-<file path=ppt/slides/slide10.xml><?xml version="1.0" encoding="utf-8"?>
-<p:sld xmlns:a="http://schemas.openxmlformats.org/drawingml/2006/main" xmlns:r="http://schemas.openxmlformats.org/officeDocument/2006/relationships" xmlns:p="http://schemas.openxmlformats.org/presentationml/2006/main">
-  <p:cSld>
-    <p:spTree>
-      <p:nvGrpSpPr>
-        <p:cNvPr id="1" name=""/>
-        <p:cNvGrpSpPr/>
-        <p:nvPr/>
-      </p:nvGrpSpPr>
-      <p:grpSpPr>
-        <a:xfrm>
-          <a:off x="0" y="0"/>
-          <a:ext cx="0" cy="0"/>
-          <a:chOff x="0" y="0"/>
-          <a:chExt cx="0" cy="0"/>
-        </a:xfrm>
-      </p:grpSpPr>
-      <p:sp>
-        <p:nvSpPr>
-          <p:cNvPr id="2" name="Заголовок 1"/>
-          <p:cNvSpPr>
-            <a:spLocks noGrp="1"/>
-          </p:cNvSpPr>
-          <p:nvPr>
-            <p:ph type="title"/>
-          </p:nvPr>
-        </p:nvSpPr>
-        <p:spPr/>
-        <p:txBody>
-          <a:bodyPr/>
-          <a:lstStyle/>
-          <a:p>
-            <a:endParaRPr lang="ru-RU" dirty="0"/>
-          </a:p>
-        </p:txBody>
-      </p:sp>
-      <p:pic>
-        <p:nvPicPr>
-          <p:cNvPr id="4" name="Объект 3"/>
-          <p:cNvPicPr>
-            <a:picLocks noGrp="1" noChangeAspect="1"/>
-          </p:cNvPicPr>
-          <p:nvPr>
-            <p:ph idx="1"/>
-          </p:nvPr>
-        </p:nvPicPr>
-        <p:blipFill>
-          <a:blip r:embed="rId2">
-            <a:extLst>
-              <a:ext uri="{28A0092B-C50C-407E-A947-70E740481C1C}">
-                <a14:useLocalDpi xmlns:a14="http://schemas.microsoft.com/office/drawing/2010/main" val="0"/>
-              </a:ext>
-            </a:extLst>
-          </a:blip>
-          <a:stretch>
-            <a:fillRect/>
-          </a:stretch>
-        </p:blipFill>
-        <p:spPr>
-          <a:xfrm>
-            <a:off x="0" y="3166"/>
-            <a:ext cx="12191999" cy="6853069"/>
-          </a:xfrm>
-        </p:spPr>
-      </p:pic>
-    </p:spTree>
-    <p:extLst>
-      <p:ext uri="{BB962C8B-B14F-4D97-AF65-F5344CB8AC3E}">
-        <p14:creationId xmlns:p14="http://schemas.microsoft.com/office/powerpoint/2010/main" val="3811948593"/>
-      </p:ext>
-    </p:extLst>
-  </p:cSld>
-  <p:clrMapOvr>
-    <a:masterClrMapping/>
-  </p:clrMapOvr>
-  <p:timing>
-    <p:tnLst>
-      <p:par>
-        <p:cTn id="1" dur="indefinite" restart="never" nodeType="tmRoot"/>
-      </p:par>
-    </p:tnLst>
-  </p:timing>
-</p:sld>
-</file>
-
 <file path=ppt/slides/slide2.xml><?xml version="1.0" encoding="utf-8"?>
 <p:sld xmlns:a="http://schemas.openxmlformats.org/drawingml/2006/main" xmlns:r="http://schemas.openxmlformats.org/officeDocument/2006/relationships" xmlns:p="http://schemas.openxmlformats.org/presentationml/2006/main">
   <p:cSld>
@@ -3279,13 +3198,8 @@
             </a:r>
             <a:r>
               <a:rPr lang="ru-RU" dirty="0" smtClean="0"/>
-              <a:t> для корректного управления умным домом                                                          </a:t>
-            </a:r>
-            <a:r>
-              <a:rPr lang="ru-RU" dirty="0" smtClean="0"/>
-              <a:t>26.06.2024</a:t>
-            </a:r>
-            <a:endParaRPr lang="ru-RU" dirty="0" smtClean="0"/>
+              <a:t> для корректного управления умным домом                                                          26.06.2024</a:t>
+            </a:r>
           </a:p>
           <a:p>
             <a:pPr marL="514350" indent="-514350">
@@ -5433,69 +5347,43 @@
           <a:bodyPr/>
           <a:lstStyle/>
           <a:p>
-            <a:r>
-              <a:rPr lang="ru-RU" dirty="0" smtClean="0"/>
-              <a:t>Теперь вы можете записать в поисковую строку адрес и посмотреть на сайт</a:t>
-            </a:r>
             <a:endParaRPr lang="ru-RU" dirty="0"/>
           </a:p>
         </p:txBody>
       </p:sp>
-      <p:sp>
-        <p:nvSpPr>
-          <p:cNvPr id="3" name="Объект 2"/>
-          <p:cNvSpPr>
-            <a:spLocks noGrp="1"/>
-          </p:cNvSpPr>
+      <p:pic>
+        <p:nvPicPr>
+          <p:cNvPr id="4" name="Объект 3"/>
+          <p:cNvPicPr>
+            <a:picLocks noGrp="1" noChangeAspect="1"/>
+          </p:cNvPicPr>
           <p:nvPr>
             <p:ph idx="1"/>
           </p:nvPr>
-        </p:nvSpPr>
-        <p:spPr/>
-        <p:txBody>
-          <a:bodyPr/>
-          <a:lstStyle/>
-          <a:p>
-            <a:pPr marL="0" indent="0">
-              <a:buNone/>
-            </a:pPr>
-            <a:r>
-              <a:rPr lang="en-US" sz="4800" dirty="0" smtClean="0"/>
-              <a:t>              </a:t>
-            </a:r>
-          </a:p>
-          <a:p>
-            <a:pPr marL="0" indent="0">
-              <a:buNone/>
-            </a:pPr>
-            <a:r>
-              <a:rPr lang="en-US" sz="4800" dirty="0"/>
-              <a:t> </a:t>
-            </a:r>
-            <a:r>
-              <a:rPr lang="en-US" sz="4800" dirty="0" smtClean="0"/>
-              <a:t>             </a:t>
-            </a:r>
-            <a:r>
-              <a:rPr lang="en-US" sz="4800" dirty="0" smtClean="0">
-                <a:solidFill>
-                  <a:srgbClr val="00B0F0"/>
-                </a:solidFill>
-              </a:rPr>
-              <a:t> http://192.168.0.11:5000</a:t>
-            </a:r>
-            <a:endParaRPr lang="ru-RU" sz="4800" dirty="0">
-              <a:solidFill>
-                <a:srgbClr val="00B0F0"/>
-              </a:solidFill>
-            </a:endParaRPr>
-          </a:p>
-        </p:txBody>
-      </p:sp>
+        </p:nvPicPr>
+        <p:blipFill>
+          <a:blip r:embed="rId2">
+            <a:extLst>
+              <a:ext uri="{28A0092B-C50C-407E-A947-70E740481C1C}">
+                <a14:useLocalDpi xmlns:a14="http://schemas.microsoft.com/office/drawing/2010/main" val="0"/>
+              </a:ext>
+            </a:extLst>
+          </a:blip>
+          <a:stretch>
+            <a:fillRect/>
+          </a:stretch>
+        </p:blipFill>
+        <p:spPr>
+          <a:xfrm>
+            <a:off x="0" y="3166"/>
+            <a:ext cx="12191999" cy="6853069"/>
+          </a:xfrm>
+        </p:spPr>
+      </p:pic>
     </p:spTree>
     <p:extLst>
       <p:ext uri="{BB962C8B-B14F-4D97-AF65-F5344CB8AC3E}">
-        <p14:creationId xmlns:p14="http://schemas.microsoft.com/office/powerpoint/2010/main" val="4036837956"/>
+        <p14:creationId xmlns:p14="http://schemas.microsoft.com/office/powerpoint/2010/main" val="3811948593"/>
       </p:ext>
     </p:extLst>
   </p:cSld>

--- a/static/Умный дом на esp8266.pptx
+++ b/static/Умный дом на esp8266.pptx
@@ -4752,14 +4752,14 @@
             <p:ph idx="1"/>
             <p:extLst>
               <p:ext uri="{D42A27DB-BD31-4B8C-83A1-F6EECF244321}">
-                <p14:modId xmlns:p14="http://schemas.microsoft.com/office/powerpoint/2010/main" val="4180421406"/>
+                <p14:modId xmlns:p14="http://schemas.microsoft.com/office/powerpoint/2010/main" val="2375015534"/>
               </p:ext>
             </p:extLst>
           </p:nvPr>
         </p:nvGraphicFramePr>
         <p:xfrm>
           <a:off x="838200" y="1825625"/>
-          <a:ext cx="10515600" cy="2667000"/>
+          <a:ext cx="10515600" cy="3759200"/>
         </p:xfrm>
         <a:graphic>
           <a:graphicData uri="http://schemas.openxmlformats.org/drawingml/2006/table">
@@ -5110,7 +5110,11 @@
                       </a:r>
                       <a:r>
                         <a:rPr lang="ru-RU" baseline="0" dirty="0" smtClean="0"/>
-                        <a:t> 6 устройств,</a:t>
+                        <a:t> 6 </a:t>
+                      </a:r>
+                      <a:r>
+                        <a:rPr lang="ru-RU" baseline="0" dirty="0" smtClean="0"/>
+                        <a:t>устройств</a:t>
                       </a:r>
                       <a:endParaRPr lang="ru-RU" dirty="0"/>
                     </a:p>
@@ -5122,6 +5126,38 @@
                     <a:bodyPr/>
                     <a:lstStyle/>
                     <a:p>
+                      <a:r>
+                        <a:rPr lang="ru-RU" dirty="0" smtClean="0"/>
+                        <a:t>При прошивке</a:t>
+                      </a:r>
+                      <a:r>
+                        <a:rPr lang="ru-RU" baseline="0" dirty="0" smtClean="0"/>
+                        <a:t> </a:t>
+                      </a:r>
+                      <a:r>
+                        <a:rPr lang="en-US" baseline="0" dirty="0" smtClean="0"/>
+                        <a:t>eps8266</a:t>
+                      </a:r>
+                      <a:r>
+                        <a:rPr lang="ru-RU" baseline="0" dirty="0" smtClean="0"/>
+                        <a:t>  для добавление новых устройств требуется отключить </a:t>
+                      </a:r>
+                      <a:r>
+                        <a:rPr lang="ru-RU" baseline="0" dirty="0" err="1" smtClean="0"/>
+                        <a:t>пин</a:t>
+                      </a:r>
+                      <a:r>
+                        <a:rPr lang="ru-RU" baseline="0" dirty="0" smtClean="0"/>
+                        <a:t> </a:t>
+                      </a:r>
+                      <a:r>
+                        <a:rPr lang="en-US" baseline="0" dirty="0" smtClean="0"/>
+                        <a:t>VCC </a:t>
+                      </a:r>
+                      <a:r>
+                        <a:rPr lang="ru-RU" baseline="0" dirty="0" smtClean="0"/>
+                        <a:t>и во время прошивки включить обратно</a:t>
+                      </a:r>
                       <a:endParaRPr lang="ru-RU" dirty="0"/>
                     </a:p>
                   </a:txBody>
